--- a/Kisan NxT.pptx
+++ b/Kisan NxT.pptx
@@ -127,6 +127,9 @@
           </p14:sldIdLst>
         </p14:section>
       </p14:sectionLst>
+    </p:ext>
+    <p:ext uri="{EFAFB233-063F-42B5-8137-9DF3F51BA10A}">
+      <p15:sldGuideLst xmlns:p15="http://schemas.microsoft.com/office/powerpoint/2012/main"/>
     </p:ext>
   </p:extLst>
 </p:presentation>
@@ -1622,7 +1625,7 @@
       </dgm:t>
     </dgm:pt>
     <dgm:pt modelId="{E8E39B76-0EB4-4AC1-A535-C226E88A5D99}" type="pres">
-      <dgm:prSet presAssocID="{0D07E946-3FCB-4006-9F03-EFCF49F07189}" presName="Parent" presStyleLbl="alignNode1" presStyleIdx="0" presStyleCnt="2">
+      <dgm:prSet presAssocID="{0D07E946-3FCB-4006-9F03-EFCF49F07189}" presName="Parent" presStyleLbl="alignNode1" presStyleIdx="0" presStyleCnt="2" custScaleY="38877" custLinFactNeighborY="28906">
         <dgm:presLayoutVars>
           <dgm:chMax val="3"/>
           <dgm:chPref val="3"/>
@@ -1685,7 +1688,7 @@
       </dgm:t>
     </dgm:pt>
     <dgm:pt modelId="{F1619C4A-AEA1-430F-AA39-931919F0A08D}" type="pres">
-      <dgm:prSet presAssocID="{0F8C644F-279C-4E65-ADF6-F87DA2CE204E}" presName="Parent" presStyleLbl="alignNode1" presStyleIdx="1" presStyleCnt="2">
+      <dgm:prSet presAssocID="{0F8C644F-279C-4E65-ADF6-F87DA2CE204E}" presName="Parent" presStyleLbl="alignNode1" presStyleIdx="1" presStyleCnt="2" custScaleY="42168" custLinFactNeighborX="482" custLinFactNeighborY="26393">
         <dgm:presLayoutVars>
           <dgm:chMax val="3"/>
           <dgm:chPref val="3"/>
@@ -1725,36 +1728,36 @@
   </dgm:ptLst>
   <dgm:cxnLst>
     <dgm:cxn modelId="{4D65C2AD-7BA6-4E3E-A0DF-BD7BB5A328F3}" type="presOf" srcId="{25481FF6-1B40-4F2B-A591-AA8CF8DCDCE9}" destId="{F2469DAA-567A-4913-9A98-B28CF3E5E663}" srcOrd="0" destOrd="1" presId="urn:microsoft.com/office/officeart/2011/layout/TabList"/>
+    <dgm:cxn modelId="{68D3750B-CCB3-49EE-80E2-2A41F40AE5B6}" type="presOf" srcId="{2CE85467-815B-45F7-BBC8-B34D091199CD}" destId="{540909D7-4D89-468B-A300-2855C9D8282B}" srcOrd="0" destOrd="0" presId="urn:microsoft.com/office/officeart/2011/layout/TabList"/>
+    <dgm:cxn modelId="{1A591648-F9FB-4821-BC4B-C144795EA664}" type="presOf" srcId="{0EF4DF9B-36F2-453B-AA3F-BB9497787E56}" destId="{5F0D4F2F-1A23-4233-980B-F8ADDADAE2B0}" srcOrd="0" destOrd="0" presId="urn:microsoft.com/office/officeart/2011/layout/TabList"/>
+    <dgm:cxn modelId="{8E852ADB-EC75-4765-9660-9D1E32B84612}" srcId="{0F8C644F-279C-4E65-ADF6-F87DA2CE204E}" destId="{13B7436F-986F-4F6B-B00E-0532185B4422}" srcOrd="4" destOrd="0" parTransId="{1805CE29-4583-443E-B217-901F355F0A4D}" sibTransId="{1DECF6ED-A270-462D-B1E0-44A7DDFAEFB7}"/>
+    <dgm:cxn modelId="{68444B46-D27A-4AAD-BD1C-27A7EB3E6460}" type="presOf" srcId="{D5477F5E-927C-4907-937B-3CF1D41E7F99}" destId="{046B04C7-81DF-41E2-85E1-979C17D7B6BE}" srcOrd="0" destOrd="0" presId="urn:microsoft.com/office/officeart/2011/layout/TabList"/>
+    <dgm:cxn modelId="{3519C7FE-390C-4F78-847E-F36FB86DE6D5}" type="presOf" srcId="{A48D2911-A716-4167-840F-1495F5A6D553}" destId="{F2469DAA-567A-4913-9A98-B28CF3E5E663}" srcOrd="0" destOrd="2" presId="urn:microsoft.com/office/officeart/2011/layout/TabList"/>
+    <dgm:cxn modelId="{45033735-77AC-46B4-BCCC-6D446DD8AEB7}" type="presOf" srcId="{A3DD76CE-E11F-459D-B239-34467335BCEB}" destId="{046B04C7-81DF-41E2-85E1-979C17D7B6BE}" srcOrd="0" destOrd="6" presId="urn:microsoft.com/office/officeart/2011/layout/TabList"/>
     <dgm:cxn modelId="{1CB1817C-3B4B-4F86-B1B0-9178287AB6E6}" srcId="{0D07E946-3FCB-4006-9F03-EFCF49F07189}" destId="{77F8DEB6-3DBD-43E5-8829-F82335FDCB75}" srcOrd="4" destOrd="0" parTransId="{768440EB-7BB2-4BF5-8784-290828EB1CD6}" sibTransId="{59161F1B-7243-4C26-B290-5D087C65A00E}"/>
+    <dgm:cxn modelId="{C2A8DEAA-439B-40C7-9762-8496FD88635B}" type="presOf" srcId="{0D07E946-3FCB-4006-9F03-EFCF49F07189}" destId="{E8E39B76-0EB4-4AC1-A535-C226E88A5D99}" srcOrd="0" destOrd="0" presId="urn:microsoft.com/office/officeart/2011/layout/TabList"/>
+    <dgm:cxn modelId="{00073D90-D90F-44F1-BFCC-2112681A3786}" type="presOf" srcId="{078BBEF6-AD2D-4F6B-9359-7F47D2900BFA}" destId="{046B04C7-81DF-41E2-85E1-979C17D7B6BE}" srcOrd="0" destOrd="4" presId="urn:microsoft.com/office/officeart/2011/layout/TabList"/>
+    <dgm:cxn modelId="{2536333D-39E1-4F9E-B223-90D7E8CE846E}" srcId="{0F8C644F-279C-4E65-ADF6-F87DA2CE204E}" destId="{2CE85467-815B-45F7-BBC8-B34D091199CD}" srcOrd="0" destOrd="0" parTransId="{025BEDD0-6B6E-4C3F-B21B-3977511E8D5C}" sibTransId="{8B594108-5095-47EA-ADB1-F9940651A1E1}"/>
+    <dgm:cxn modelId="{98EB1417-791D-4E11-ABFA-C632D2826EC8}" srcId="{0F8C644F-279C-4E65-ADF6-F87DA2CE204E}" destId="{D1938B0D-F523-4556-AB2A-11DEF96DA479}" srcOrd="3" destOrd="0" parTransId="{DBED6B8D-1A46-491D-A085-20F73A05484E}" sibTransId="{5007648E-022A-4F52-ACC4-A116D7996634}"/>
+    <dgm:cxn modelId="{242D3DEF-6830-4D6E-A68A-C9ADD5333C85}" srcId="{0F8C644F-279C-4E65-ADF6-F87DA2CE204E}" destId="{72AFD5C3-A60A-4574-A9B2-BB62229103EF}" srcOrd="6" destOrd="0" parTransId="{8E3A1487-944D-4B88-A376-BB770961E186}" sibTransId="{E3CB6A63-98D2-4031-AAB9-5BF6C7BC07F7}"/>
+    <dgm:cxn modelId="{05B99CB5-D84A-4C54-920B-025F66E73E98}" srcId="{0F8C644F-279C-4E65-ADF6-F87DA2CE204E}" destId="{D215D69C-A7FD-4613-808E-F58F350408B4}" srcOrd="2" destOrd="0" parTransId="{45CD670F-3259-40E7-B148-3DC879C72645}" sibTransId="{88620BA6-865C-4CF0-883F-B3704FCCDC5D}"/>
+    <dgm:cxn modelId="{B49EF05F-3D19-48EA-8860-35596435F4CD}" type="presOf" srcId="{72AFD5C3-A60A-4574-A9B2-BB62229103EF}" destId="{046B04C7-81DF-41E2-85E1-979C17D7B6BE}" srcOrd="0" destOrd="5" presId="urn:microsoft.com/office/officeart/2011/layout/TabList"/>
+    <dgm:cxn modelId="{EE003C92-2B4F-4090-900B-99A23873C06A}" srcId="{0D07E946-3FCB-4006-9F03-EFCF49F07189}" destId="{43116067-2688-421F-BC4F-D1940E4E46C3}" srcOrd="1" destOrd="0" parTransId="{97AFA723-D2C4-4602-970C-CA7C74D6E17B}" sibTransId="{BEA64BE9-50D3-4416-A94D-FC3F2E4EFC7C}"/>
     <dgm:cxn modelId="{17AACCE5-D5AA-47CC-9993-A7B685F7067A}" srcId="{0F8C644F-279C-4E65-ADF6-F87DA2CE204E}" destId="{D5477F5E-927C-4907-937B-3CF1D41E7F99}" srcOrd="1" destOrd="0" parTransId="{7BFB9AAF-B079-4641-93DD-58A6661194A3}" sibTransId="{3DEB07F9-8681-45B1-B6DB-D5F258DF9D6D}"/>
+    <dgm:cxn modelId="{785AD93E-E2D7-4B8C-A277-E1C5B5BAFCF2}" srcId="{0D07E946-3FCB-4006-9F03-EFCF49F07189}" destId="{A48D2911-A716-4167-840F-1495F5A6D553}" srcOrd="3" destOrd="0" parTransId="{0FA49BDC-FCAB-4F37-A525-0C75C8C32CDA}" sibTransId="{BC0EC82E-D87D-4704-AD97-C5A6731642CE}"/>
+    <dgm:cxn modelId="{B5D3B2CC-ED7D-4933-8CD8-4AA4E8B4606C}" type="presOf" srcId="{77F8DEB6-3DBD-43E5-8829-F82335FDCB75}" destId="{F2469DAA-567A-4913-9A98-B28CF3E5E663}" srcOrd="0" destOrd="3" presId="urn:microsoft.com/office/officeart/2011/layout/TabList"/>
+    <dgm:cxn modelId="{80FBD854-FCC6-4208-963C-AA8D6EC60398}" srcId="{0EF4DF9B-36F2-453B-AA3F-BB9497787E56}" destId="{0D07E946-3FCB-4006-9F03-EFCF49F07189}" srcOrd="0" destOrd="0" parTransId="{FE60DE78-29FE-467D-B741-9C721DDE5565}" sibTransId="{3A593F81-585E-449B-AD0F-A721B46D7D53}"/>
+    <dgm:cxn modelId="{0C9400FF-4EFE-49F0-B305-1E6999C2014D}" type="presOf" srcId="{D1938B0D-F523-4556-AB2A-11DEF96DA479}" destId="{046B04C7-81DF-41E2-85E1-979C17D7B6BE}" srcOrd="0" destOrd="2" presId="urn:microsoft.com/office/officeart/2011/layout/TabList"/>
     <dgm:cxn modelId="{C6244E9C-641C-4612-893F-163A1517178B}" srcId="{0D07E946-3FCB-4006-9F03-EFCF49F07189}" destId="{25481FF6-1B40-4F2B-A591-AA8CF8DCDCE9}" srcOrd="2" destOrd="0" parTransId="{2DE191B3-EBE7-495C-B0D2-41E35BDDAB0A}" sibTransId="{BD5C3DD8-AC92-442C-8352-2803F4FDD101}"/>
-    <dgm:cxn modelId="{EE003C92-2B4F-4090-900B-99A23873C06A}" srcId="{0D07E946-3FCB-4006-9F03-EFCF49F07189}" destId="{43116067-2688-421F-BC4F-D1940E4E46C3}" srcOrd="1" destOrd="0" parTransId="{97AFA723-D2C4-4602-970C-CA7C74D6E17B}" sibTransId="{BEA64BE9-50D3-4416-A94D-FC3F2E4EFC7C}"/>
+    <dgm:cxn modelId="{B189F2AA-EA42-4C48-89A2-DBC916D00927}" srcId="{0F8C644F-279C-4E65-ADF6-F87DA2CE204E}" destId="{078BBEF6-AD2D-4F6B-9359-7F47D2900BFA}" srcOrd="5" destOrd="0" parTransId="{714B302C-39E9-4533-B5D6-87B46C1459FA}" sibTransId="{89D01242-07A2-4906-8DD2-52E4D6A6870D}"/>
     <dgm:cxn modelId="{997FE903-7700-4FD3-883E-CDE13968982E}" type="presOf" srcId="{0F8C644F-279C-4E65-ADF6-F87DA2CE204E}" destId="{F1619C4A-AEA1-430F-AA39-931919F0A08D}" srcOrd="0" destOrd="0" presId="urn:microsoft.com/office/officeart/2011/layout/TabList"/>
-    <dgm:cxn modelId="{F26CB7E0-9291-415D-856D-C369AFA539DB}" type="presOf" srcId="{A3216282-4038-4B06-B12C-DBCE42D386B1}" destId="{BFADA8AA-7972-44F9-8CC7-633D5D3E2A63}" srcOrd="0" destOrd="0" presId="urn:microsoft.com/office/officeart/2011/layout/TabList"/>
-    <dgm:cxn modelId="{00073D90-D90F-44F1-BFCC-2112681A3786}" type="presOf" srcId="{078BBEF6-AD2D-4F6B-9359-7F47D2900BFA}" destId="{046B04C7-81DF-41E2-85E1-979C17D7B6BE}" srcOrd="0" destOrd="4" presId="urn:microsoft.com/office/officeart/2011/layout/TabList"/>
-    <dgm:cxn modelId="{8E852ADB-EC75-4765-9660-9D1E32B84612}" srcId="{0F8C644F-279C-4E65-ADF6-F87DA2CE204E}" destId="{13B7436F-986F-4F6B-B00E-0532185B4422}" srcOrd="4" destOrd="0" parTransId="{1805CE29-4583-443E-B217-901F355F0A4D}" sibTransId="{1DECF6ED-A270-462D-B1E0-44A7DDFAEFB7}"/>
-    <dgm:cxn modelId="{F86FE087-9083-4DD4-B5F5-65080A0DA281}" type="presOf" srcId="{D215D69C-A7FD-4613-808E-F58F350408B4}" destId="{046B04C7-81DF-41E2-85E1-979C17D7B6BE}" srcOrd="0" destOrd="1" presId="urn:microsoft.com/office/officeart/2011/layout/TabList"/>
-    <dgm:cxn modelId="{C2A8DEAA-439B-40C7-9762-8496FD88635B}" type="presOf" srcId="{0D07E946-3FCB-4006-9F03-EFCF49F07189}" destId="{E8E39B76-0EB4-4AC1-A535-C226E88A5D99}" srcOrd="0" destOrd="0" presId="urn:microsoft.com/office/officeart/2011/layout/TabList"/>
-    <dgm:cxn modelId="{0C9400FF-4EFE-49F0-B305-1E6999C2014D}" type="presOf" srcId="{D1938B0D-F523-4556-AB2A-11DEF96DA479}" destId="{046B04C7-81DF-41E2-85E1-979C17D7B6BE}" srcOrd="0" destOrd="2" presId="urn:microsoft.com/office/officeart/2011/layout/TabList"/>
-    <dgm:cxn modelId="{31909BA4-7992-4E05-A40C-608523AEEED9}" srcId="{0EF4DF9B-36F2-453B-AA3F-BB9497787E56}" destId="{0F8C644F-279C-4E65-ADF6-F87DA2CE204E}" srcOrd="1" destOrd="0" parTransId="{4D4A6EFA-A7DB-4353-9FA1-5451AA120B43}" sibTransId="{0042CA99-71B6-4D12-8ECA-C7889BE53138}"/>
-    <dgm:cxn modelId="{05B99CB5-D84A-4C54-920B-025F66E73E98}" srcId="{0F8C644F-279C-4E65-ADF6-F87DA2CE204E}" destId="{D215D69C-A7FD-4613-808E-F58F350408B4}" srcOrd="2" destOrd="0" parTransId="{45CD670F-3259-40E7-B148-3DC879C72645}" sibTransId="{88620BA6-865C-4CF0-883F-B3704FCCDC5D}"/>
-    <dgm:cxn modelId="{68D3750B-CCB3-49EE-80E2-2A41F40AE5B6}" type="presOf" srcId="{2CE85467-815B-45F7-BBC8-B34D091199CD}" destId="{540909D7-4D89-468B-A300-2855C9D8282B}" srcOrd="0" destOrd="0" presId="urn:microsoft.com/office/officeart/2011/layout/TabList"/>
-    <dgm:cxn modelId="{B5D3B2CC-ED7D-4933-8CD8-4AA4E8B4606C}" type="presOf" srcId="{77F8DEB6-3DBD-43E5-8829-F82335FDCB75}" destId="{F2469DAA-567A-4913-9A98-B28CF3E5E663}" srcOrd="0" destOrd="3" presId="urn:microsoft.com/office/officeart/2011/layout/TabList"/>
-    <dgm:cxn modelId="{68444B46-D27A-4AAD-BD1C-27A7EB3E6460}" type="presOf" srcId="{D5477F5E-927C-4907-937B-3CF1D41E7F99}" destId="{046B04C7-81DF-41E2-85E1-979C17D7B6BE}" srcOrd="0" destOrd="0" presId="urn:microsoft.com/office/officeart/2011/layout/TabList"/>
-    <dgm:cxn modelId="{2536333D-39E1-4F9E-B223-90D7E8CE846E}" srcId="{0F8C644F-279C-4E65-ADF6-F87DA2CE204E}" destId="{2CE85467-815B-45F7-BBC8-B34D091199CD}" srcOrd="0" destOrd="0" parTransId="{025BEDD0-6B6E-4C3F-B21B-3977511E8D5C}" sibTransId="{8B594108-5095-47EA-ADB1-F9940651A1E1}"/>
-    <dgm:cxn modelId="{785AD93E-E2D7-4B8C-A277-E1C5B5BAFCF2}" srcId="{0D07E946-3FCB-4006-9F03-EFCF49F07189}" destId="{A48D2911-A716-4167-840F-1495F5A6D553}" srcOrd="3" destOrd="0" parTransId="{0FA49BDC-FCAB-4F37-A525-0C75C8C32CDA}" sibTransId="{BC0EC82E-D87D-4704-AD97-C5A6731642CE}"/>
-    <dgm:cxn modelId="{98EB1417-791D-4E11-ABFA-C632D2826EC8}" srcId="{0F8C644F-279C-4E65-ADF6-F87DA2CE204E}" destId="{D1938B0D-F523-4556-AB2A-11DEF96DA479}" srcOrd="3" destOrd="0" parTransId="{DBED6B8D-1A46-491D-A085-20F73A05484E}" sibTransId="{5007648E-022A-4F52-ACC4-A116D7996634}"/>
-    <dgm:cxn modelId="{B49EF05F-3D19-48EA-8860-35596435F4CD}" type="presOf" srcId="{72AFD5C3-A60A-4574-A9B2-BB62229103EF}" destId="{046B04C7-81DF-41E2-85E1-979C17D7B6BE}" srcOrd="0" destOrd="5" presId="urn:microsoft.com/office/officeart/2011/layout/TabList"/>
-    <dgm:cxn modelId="{B189F2AA-EA42-4C48-89A2-DBC916D00927}" srcId="{0F8C644F-279C-4E65-ADF6-F87DA2CE204E}" destId="{078BBEF6-AD2D-4F6B-9359-7F47D2900BFA}" srcOrd="5" destOrd="0" parTransId="{714B302C-39E9-4533-B5D6-87B46C1459FA}" sibTransId="{89D01242-07A2-4906-8DD2-52E4D6A6870D}"/>
+    <dgm:cxn modelId="{9D95E56F-A33D-4374-A24E-8B10EFC398F4}" type="presOf" srcId="{13B7436F-986F-4F6B-B00E-0532185B4422}" destId="{046B04C7-81DF-41E2-85E1-979C17D7B6BE}" srcOrd="0" destOrd="3" presId="urn:microsoft.com/office/officeart/2011/layout/TabList"/>
     <dgm:cxn modelId="{D3A49210-071C-4791-AD16-C4A1DDCB144F}" srcId="{0F8C644F-279C-4E65-ADF6-F87DA2CE204E}" destId="{A3DD76CE-E11F-459D-B239-34467335BCEB}" srcOrd="7" destOrd="0" parTransId="{BF4D275F-FA7F-48F8-989C-9987539289F8}" sibTransId="{F550B3B3-EC4F-43F3-BE63-DB6BC7335664}"/>
     <dgm:cxn modelId="{A0072A74-543F-4B70-A05F-471721941F0D}" type="presOf" srcId="{43116067-2688-421F-BC4F-D1940E4E46C3}" destId="{F2469DAA-567A-4913-9A98-B28CF3E5E663}" srcOrd="0" destOrd="0" presId="urn:microsoft.com/office/officeart/2011/layout/TabList"/>
-    <dgm:cxn modelId="{9D95E56F-A33D-4374-A24E-8B10EFC398F4}" type="presOf" srcId="{13B7436F-986F-4F6B-B00E-0532185B4422}" destId="{046B04C7-81DF-41E2-85E1-979C17D7B6BE}" srcOrd="0" destOrd="3" presId="urn:microsoft.com/office/officeart/2011/layout/TabList"/>
-    <dgm:cxn modelId="{80FBD854-FCC6-4208-963C-AA8D6EC60398}" srcId="{0EF4DF9B-36F2-453B-AA3F-BB9497787E56}" destId="{0D07E946-3FCB-4006-9F03-EFCF49F07189}" srcOrd="0" destOrd="0" parTransId="{FE60DE78-29FE-467D-B741-9C721DDE5565}" sibTransId="{3A593F81-585E-449B-AD0F-A721B46D7D53}"/>
-    <dgm:cxn modelId="{45033735-77AC-46B4-BCCC-6D446DD8AEB7}" type="presOf" srcId="{A3DD76CE-E11F-459D-B239-34467335BCEB}" destId="{046B04C7-81DF-41E2-85E1-979C17D7B6BE}" srcOrd="0" destOrd="6" presId="urn:microsoft.com/office/officeart/2011/layout/TabList"/>
-    <dgm:cxn modelId="{1A591648-F9FB-4821-BC4B-C144795EA664}" type="presOf" srcId="{0EF4DF9B-36F2-453B-AA3F-BB9497787E56}" destId="{5F0D4F2F-1A23-4233-980B-F8ADDADAE2B0}" srcOrd="0" destOrd="0" presId="urn:microsoft.com/office/officeart/2011/layout/TabList"/>
-    <dgm:cxn modelId="{242D3DEF-6830-4D6E-A68A-C9ADD5333C85}" srcId="{0F8C644F-279C-4E65-ADF6-F87DA2CE204E}" destId="{72AFD5C3-A60A-4574-A9B2-BB62229103EF}" srcOrd="6" destOrd="0" parTransId="{8E3A1487-944D-4B88-A376-BB770961E186}" sibTransId="{E3CB6A63-98D2-4031-AAB9-5BF6C7BC07F7}"/>
+    <dgm:cxn modelId="{F26CB7E0-9291-415D-856D-C369AFA539DB}" type="presOf" srcId="{A3216282-4038-4B06-B12C-DBCE42D386B1}" destId="{BFADA8AA-7972-44F9-8CC7-633D5D3E2A63}" srcOrd="0" destOrd="0" presId="urn:microsoft.com/office/officeart/2011/layout/TabList"/>
     <dgm:cxn modelId="{C3D77543-F523-4C97-8792-9E29959F912A}" srcId="{0D07E946-3FCB-4006-9F03-EFCF49F07189}" destId="{A3216282-4038-4B06-B12C-DBCE42D386B1}" srcOrd="0" destOrd="0" parTransId="{17CCB620-CE79-4121-9247-10AF10460359}" sibTransId="{7514E30F-5CFF-406F-9B8D-BFCE29BD3C08}"/>
-    <dgm:cxn modelId="{3519C7FE-390C-4F78-847E-F36FB86DE6D5}" type="presOf" srcId="{A48D2911-A716-4167-840F-1495F5A6D553}" destId="{F2469DAA-567A-4913-9A98-B28CF3E5E663}" srcOrd="0" destOrd="2" presId="urn:microsoft.com/office/officeart/2011/layout/TabList"/>
+    <dgm:cxn modelId="{31909BA4-7992-4E05-A40C-608523AEEED9}" srcId="{0EF4DF9B-36F2-453B-AA3F-BB9497787E56}" destId="{0F8C644F-279C-4E65-ADF6-F87DA2CE204E}" srcOrd="1" destOrd="0" parTransId="{4D4A6EFA-A7DB-4353-9FA1-5451AA120B43}" sibTransId="{0042CA99-71B6-4D12-8ECA-C7889BE53138}"/>
+    <dgm:cxn modelId="{F86FE087-9083-4DD4-B5F5-65080A0DA281}" type="presOf" srcId="{D215D69C-A7FD-4613-808E-F58F350408B4}" destId="{046B04C7-81DF-41E2-85E1-979C17D7B6BE}" srcOrd="0" destOrd="1" presId="urn:microsoft.com/office/officeart/2011/layout/TabList"/>
     <dgm:cxn modelId="{BB3EAEF0-AB0C-4691-80FD-F2311F119DD3}" type="presParOf" srcId="{5F0D4F2F-1A23-4233-980B-F8ADDADAE2B0}" destId="{3D9BA14F-21D4-4CE9-B1F1-1E052CE1BF09}" srcOrd="0" destOrd="0" presId="urn:microsoft.com/office/officeart/2011/layout/TabList"/>
     <dgm:cxn modelId="{3CA69FDA-7309-48DD-BFD5-41BC1293A288}" type="presParOf" srcId="{3D9BA14F-21D4-4CE9-B1F1-1E052CE1BF09}" destId="{BFADA8AA-7972-44F9-8CC7-633D5D3E2A63}" srcOrd="0" destOrd="0" presId="urn:microsoft.com/office/officeart/2011/layout/TabList"/>
     <dgm:cxn modelId="{6CD7E7C7-D182-44F9-8332-B21E1DA4BCA0}" type="presParOf" srcId="{3D9BA14F-21D4-4CE9-B1F1-1E052CE1BF09}" destId="{E8E39B76-0EB4-4AC1-A535-C226E88A5D99}" srcOrd="1" destOrd="0" presId="urn:microsoft.com/office/officeart/2011/layout/TabList"/>
@@ -1930,8 +1933,8 @@
       </dsp:nvSpPr>
       <dsp:spPr>
         <a:xfrm>
-          <a:off x="0" y="3641"/>
-          <a:ext cx="2672761" cy="1024732"/>
+          <a:off x="0" y="613024"/>
+          <a:ext cx="2672761" cy="398385"/>
         </a:xfrm>
         <a:prstGeom prst="round2SameRect">
           <a:avLst>
@@ -1999,8 +2002,8 @@
         </a:p>
       </dsp:txBody>
       <dsp:txXfrm>
-        <a:off x="50032" y="53673"/>
-        <a:ext cx="2572697" cy="974700"/>
+        <a:off x="19451" y="632475"/>
+        <a:ext cx="2633859" cy="378934"/>
       </dsp:txXfrm>
     </dsp:sp>
     <dsp:sp modelId="{F2469DAA-567A-4913-9A98-B28CF3E5E663}">
@@ -2192,8 +2195,8 @@
       </dsp:nvSpPr>
       <dsp:spPr>
         <a:xfrm>
-          <a:off x="0" y="2762842"/>
-          <a:ext cx="2672761" cy="1024732"/>
+          <a:off x="12882" y="3329611"/>
+          <a:ext cx="2672761" cy="432109"/>
         </a:xfrm>
         <a:prstGeom prst="round2SameRect">
           <a:avLst>
@@ -2261,8 +2264,8 @@
         </a:p>
       </dsp:txBody>
       <dsp:txXfrm>
-        <a:off x="50032" y="2812874"/>
-        <a:ext cx="2572697" cy="974700"/>
+        <a:off x="33980" y="3350709"/>
+        <a:ext cx="2630565" cy="411011"/>
       </dsp:txXfrm>
     </dsp:sp>
     <dsp:sp modelId="{046B04C7-81DF-41E2-85E1-979C17D7B6BE}">
@@ -4496,7 +4499,7 @@
           <a:p>
             <a:fld id="{016402C0-6847-476B-9118-324315DFCF57}" type="datetimeFigureOut">
               <a:rPr lang="en-US" smtClean="0"/>
-              <a:t>4/7/2018</a:t>
+              <a:t>4/8/2018</a:t>
             </a:fld>
             <a:endParaRPr lang="en-US"/>
           </a:p>
@@ -4747,7 +4750,7 @@
           <a:p>
             <a:fld id="{016402C0-6847-476B-9118-324315DFCF57}" type="datetimeFigureOut">
               <a:rPr lang="en-US" smtClean="0"/>
-              <a:t>4/7/2018</a:t>
+              <a:t>4/8/2018</a:t>
             </a:fld>
             <a:endParaRPr lang="en-US"/>
           </a:p>
@@ -5061,7 +5064,7 @@
           <a:p>
             <a:fld id="{016402C0-6847-476B-9118-324315DFCF57}" type="datetimeFigureOut">
               <a:rPr lang="en-US" smtClean="0"/>
-              <a:t>4/7/2018</a:t>
+              <a:t>4/8/2018</a:t>
             </a:fld>
             <a:endParaRPr lang="en-US"/>
           </a:p>
@@ -5402,7 +5405,7 @@
           <a:p>
             <a:fld id="{016402C0-6847-476B-9118-324315DFCF57}" type="datetimeFigureOut">
               <a:rPr lang="en-US" smtClean="0"/>
-              <a:t>4/7/2018</a:t>
+              <a:t>4/8/2018</a:t>
             </a:fld>
             <a:endParaRPr lang="en-US"/>
           </a:p>
@@ -5716,7 +5719,7 @@
           <a:p>
             <a:fld id="{016402C0-6847-476B-9118-324315DFCF57}" type="datetimeFigureOut">
               <a:rPr lang="en-US" smtClean="0"/>
-              <a:t>4/7/2018</a:t>
+              <a:t>4/8/2018</a:t>
             </a:fld>
             <a:endParaRPr lang="en-US"/>
           </a:p>
@@ -6109,7 +6112,7 @@
           <a:p>
             <a:fld id="{016402C0-6847-476B-9118-324315DFCF57}" type="datetimeFigureOut">
               <a:rPr lang="en-US" smtClean="0"/>
-              <a:t>4/7/2018</a:t>
+              <a:t>4/8/2018</a:t>
             </a:fld>
             <a:endParaRPr lang="en-US"/>
           </a:p>
@@ -6279,7 +6282,7 @@
           <a:p>
             <a:fld id="{016402C0-6847-476B-9118-324315DFCF57}" type="datetimeFigureOut">
               <a:rPr lang="en-US" smtClean="0"/>
-              <a:t>4/7/2018</a:t>
+              <a:t>4/8/2018</a:t>
             </a:fld>
             <a:endParaRPr lang="en-US"/>
           </a:p>
@@ -6459,7 +6462,7 @@
           <a:p>
             <a:fld id="{016402C0-6847-476B-9118-324315DFCF57}" type="datetimeFigureOut">
               <a:rPr lang="en-US" smtClean="0"/>
-              <a:t>4/7/2018</a:t>
+              <a:t>4/8/2018</a:t>
             </a:fld>
             <a:endParaRPr lang="en-US"/>
           </a:p>
@@ -6635,7 +6638,7 @@
           <a:p>
             <a:fld id="{016402C0-6847-476B-9118-324315DFCF57}" type="datetimeFigureOut">
               <a:rPr lang="en-US" smtClean="0"/>
-              <a:t>4/7/2018</a:t>
+              <a:t>4/8/2018</a:t>
             </a:fld>
             <a:endParaRPr lang="en-US"/>
           </a:p>
@@ -6882,7 +6885,7 @@
           <a:p>
             <a:fld id="{016402C0-6847-476B-9118-324315DFCF57}" type="datetimeFigureOut">
               <a:rPr lang="en-US" smtClean="0"/>
-              <a:t>4/7/2018</a:t>
+              <a:t>4/8/2018</a:t>
             </a:fld>
             <a:endParaRPr lang="en-US"/>
           </a:p>
@@ -7114,7 +7117,7 @@
           <a:p>
             <a:fld id="{016402C0-6847-476B-9118-324315DFCF57}" type="datetimeFigureOut">
               <a:rPr lang="en-US" smtClean="0"/>
-              <a:t>4/7/2018</a:t>
+              <a:t>4/8/2018</a:t>
             </a:fld>
             <a:endParaRPr lang="en-US"/>
           </a:p>
@@ -7488,7 +7491,7 @@
           <a:p>
             <a:fld id="{016402C0-6847-476B-9118-324315DFCF57}" type="datetimeFigureOut">
               <a:rPr lang="en-US" smtClean="0"/>
-              <a:t>4/7/2018</a:t>
+              <a:t>4/8/2018</a:t>
             </a:fld>
             <a:endParaRPr lang="en-US"/>
           </a:p>
@@ -7611,7 +7614,7 @@
           <a:p>
             <a:fld id="{016402C0-6847-476B-9118-324315DFCF57}" type="datetimeFigureOut">
               <a:rPr lang="en-US" smtClean="0"/>
-              <a:t>4/7/2018</a:t>
+              <a:t>4/8/2018</a:t>
             </a:fld>
             <a:endParaRPr lang="en-US"/>
           </a:p>
@@ -7706,7 +7709,7 @@
           <a:p>
             <a:fld id="{016402C0-6847-476B-9118-324315DFCF57}" type="datetimeFigureOut">
               <a:rPr lang="en-US" smtClean="0"/>
-              <a:t>4/7/2018</a:t>
+              <a:t>4/8/2018</a:t>
             </a:fld>
             <a:endParaRPr lang="en-US"/>
           </a:p>
@@ -7961,7 +7964,7 @@
           <a:p>
             <a:fld id="{016402C0-6847-476B-9118-324315DFCF57}" type="datetimeFigureOut">
               <a:rPr lang="en-US" smtClean="0"/>
-              <a:t>4/7/2018</a:t>
+              <a:t>4/8/2018</a:t>
             </a:fld>
             <a:endParaRPr lang="en-US"/>
           </a:p>
@@ -8224,7 +8227,7 @@
           <a:p>
             <a:fld id="{016402C0-6847-476B-9118-324315DFCF57}" type="datetimeFigureOut">
               <a:rPr lang="en-US" smtClean="0"/>
-              <a:t>4/7/2018</a:t>
+              <a:t>4/8/2018</a:t>
             </a:fld>
             <a:endParaRPr lang="en-US"/>
           </a:p>
@@ -8967,7 +8970,7 @@
           <a:p>
             <a:fld id="{016402C0-6847-476B-9118-324315DFCF57}" type="datetimeFigureOut">
               <a:rPr lang="en-US" smtClean="0"/>
-              <a:t>4/7/2018</a:t>
+              <a:t>4/8/2018</a:t>
             </a:fld>
             <a:endParaRPr lang="en-US"/>
           </a:p>
@@ -9737,12 +9740,6 @@
                         </a:rPr>
                         <a:t>Idea &amp; Solution</a:t>
                       </a:r>
-                      <a:endParaRPr lang="en-US" sz="1800" b="1" spc="100" dirty="0" smtClean="0">
-                        <a:solidFill>
-                          <a:schemeClr val="tx1"/>
-                        </a:solidFill>
-                        <a:latin typeface="+mn-lt"/>
-                      </a:endParaRPr>
                     </a:p>
                   </a:txBody>
                   <a:tcPr anchor="ctr">
@@ -9891,12 +9888,6 @@
                         </a:rPr>
                         <a:t>Technologies</a:t>
                       </a:r>
-                      <a:endParaRPr lang="en-US" sz="1800" b="1" spc="100" dirty="0" smtClean="0">
-                        <a:solidFill>
-                          <a:schemeClr val="tx1"/>
-                        </a:solidFill>
-                        <a:latin typeface="+mn-lt"/>
-                      </a:endParaRPr>
                     </a:p>
                   </a:txBody>
                   <a:tcPr anchor="ctr">
@@ -10456,13 +10447,13 @@
           <p:nvPr>
             <p:extLst>
               <p:ext uri="{D42A27DB-BD31-4B8C-83A1-F6EECF244321}">
-                <p14:modId xmlns:p14="http://schemas.microsoft.com/office/powerpoint/2010/main" val="4020298903"/>
+                <p14:modId xmlns:p14="http://schemas.microsoft.com/office/powerpoint/2010/main" val="1997724732"/>
               </p:ext>
             </p:extLst>
           </p:nvPr>
         </p:nvGraphicFramePr>
         <p:xfrm>
-          <a:off x="1581593" y="508295"/>
+          <a:off x="435373" y="508295"/>
           <a:ext cx="10279850" cy="5840989"/>
         </p:xfrm>
         <a:graphic>
@@ -11430,14 +11421,6 @@
               </a:rPr>
               <a:t>Architecture</a:t>
             </a:r>
-            <a:endParaRPr lang="en-US" sz="4000" dirty="0">
-              <a:ln w="3175" cmpd="sng">
-                <a:noFill/>
-              </a:ln>
-              <a:latin typeface="+mj-lt"/>
-              <a:ea typeface="+mj-ea"/>
-              <a:cs typeface="+mj-cs"/>
-            </a:endParaRPr>
           </a:p>
         </p:txBody>
       </p:sp>
